--- a/Day4/Ch05_NoSQL.pptx
+++ b/Day4/Ch05_NoSQL.pptx
@@ -7,7 +7,7 @@
     <p:sldMasterId id="2147483674" r:id="rId3"/>
   </p:sldMasterIdLst>
   <p:notesMasterIdLst>
-    <p:notesMasterId r:id="rId25"/>
+    <p:notesMasterId r:id="rId28"/>
   </p:notesMasterIdLst>
   <p:sldIdLst>
     <p:sldId id="256" r:id="rId4"/>
@@ -31,6 +31,9 @@
     <p:sldId id="277" r:id="rId22"/>
     <p:sldId id="278" r:id="rId23"/>
     <p:sldId id="279" r:id="rId24"/>
+    <p:sldId id="280" r:id="rId25"/>
+    <p:sldId id="281" r:id="rId26"/>
+    <p:sldId id="282" r:id="rId27"/>
   </p:sldIdLst>
   <p:sldSz cx="9144000" cy="6858000" type="screen4x3"/>
   <p:notesSz cx="7053263" cy="9356725"/>
@@ -672,6 +675,213 @@
 </p:notes>
 </file>
 
+<file path=ppt/notesSlides/notesSlide3.xml><?xml version="1.0" encoding="utf-8"?>
+<p:notes xmlns:a="http://schemas.openxmlformats.org/drawingml/2006/main" xmlns:r="http://schemas.openxmlformats.org/officeDocument/2006/relationships" xmlns:p="http://schemas.openxmlformats.org/presentationml/2006/main">
+  <p:cSld>
+    <p:spTree>
+      <p:nvGrpSpPr>
+        <p:cNvPr id="1" name=""/>
+        <p:cNvGrpSpPr/>
+        <p:nvPr/>
+      </p:nvGrpSpPr>
+      <p:grpSpPr>
+        <a:xfrm>
+          <a:off x="0" y="0"/>
+          <a:ext cx="0" cy="0"/>
+          <a:chOff x="0" y="0"/>
+          <a:chExt cx="0" cy="0"/>
+        </a:xfrm>
+      </p:grpSpPr>
+      <p:sp>
+        <p:nvSpPr>
+          <p:cNvPr id="2" name="Slide Image Placeholder 1"/>
+          <p:cNvSpPr>
+            <a:spLocks noGrp="1" noRot="1" noChangeAspect="1"/>
+          </p:cNvSpPr>
+          <p:nvPr>
+            <p:ph type="sldImg"/>
+          </p:nvPr>
+        </p:nvSpPr>
+        <p:spPr>
+          <a:xfrm>
+            <a:off x="1189038" y="701675"/>
+            <a:ext cx="4676775" cy="3508375"/>
+          </a:xfrm>
+        </p:spPr>
+      </p:sp>
+      <p:sp>
+        <p:nvSpPr>
+          <p:cNvPr id="3" name="Notes Placeholder 2"/>
+          <p:cNvSpPr>
+            <a:spLocks noGrp="1"/>
+          </p:cNvSpPr>
+          <p:nvPr>
+            <p:ph type="body" idx="1"/>
+          </p:nvPr>
+        </p:nvSpPr>
+        <p:spPr/>
+        <p:txBody>
+          <a:bodyPr/>
+          <a:lstStyle/>
+          <a:p>
+            <a:pPr marL="0" lvl="1" defTabSz="965745">
+              <a:defRPr/>
+            </a:pPr>
+            <a:r>
+              <a:rPr lang="en-US" dirty="0"/>
+              <a:t>map, which is indexed by rowkey, column key, and timestamp  </a:t>
+            </a:r>
+          </a:p>
+          <a:p>
+            <a:endParaRPr lang="en-US" dirty="0"/>
+          </a:p>
+        </p:txBody>
+      </p:sp>
+    </p:spTree>
+    <p:extLst>
+      <p:ext uri="{BB962C8B-B14F-4D97-AF65-F5344CB8AC3E}">
+        <p14:creationId xmlns:p14="http://schemas.microsoft.com/office/powerpoint/2010/main" val="4025828282"/>
+      </p:ext>
+    </p:extLst>
+  </p:cSld>
+  <p:clrMapOvr>
+    <a:masterClrMapping/>
+  </p:clrMapOvr>
+</p:notes>
+</file>
+
+<file path=ppt/notesSlides/notesSlide4.xml><?xml version="1.0" encoding="utf-8"?>
+<p:notes xmlns:a="http://schemas.openxmlformats.org/drawingml/2006/main" xmlns:r="http://schemas.openxmlformats.org/officeDocument/2006/relationships" xmlns:p="http://schemas.openxmlformats.org/presentationml/2006/main">
+  <p:cSld>
+    <p:spTree>
+      <p:nvGrpSpPr>
+        <p:cNvPr id="1" name=""/>
+        <p:cNvGrpSpPr/>
+        <p:nvPr/>
+      </p:nvGrpSpPr>
+      <p:grpSpPr>
+        <a:xfrm>
+          <a:off x="0" y="0"/>
+          <a:ext cx="0" cy="0"/>
+          <a:chOff x="0" y="0"/>
+          <a:chExt cx="0" cy="0"/>
+        </a:xfrm>
+      </p:grpSpPr>
+      <p:sp>
+        <p:nvSpPr>
+          <p:cNvPr id="2" name="Slide Image Placeholder 1"/>
+          <p:cNvSpPr>
+            <a:spLocks noGrp="1" noRot="1" noChangeAspect="1"/>
+          </p:cNvSpPr>
+          <p:nvPr>
+            <p:ph type="sldImg"/>
+          </p:nvPr>
+        </p:nvSpPr>
+        <p:spPr>
+          <a:xfrm>
+            <a:off x="1189038" y="701675"/>
+            <a:ext cx="4676775" cy="3508375"/>
+          </a:xfrm>
+        </p:spPr>
+      </p:sp>
+      <p:sp>
+        <p:nvSpPr>
+          <p:cNvPr id="3" name="Notes Placeholder 2"/>
+          <p:cNvSpPr>
+            <a:spLocks noGrp="1"/>
+          </p:cNvSpPr>
+          <p:nvPr>
+            <p:ph type="body" idx="1"/>
+          </p:nvPr>
+        </p:nvSpPr>
+        <p:spPr/>
+        <p:txBody>
+          <a:bodyPr/>
+          <a:lstStyle/>
+          <a:p>
+            <a:endParaRPr lang="en-US" dirty="0"/>
+          </a:p>
+        </p:txBody>
+      </p:sp>
+    </p:spTree>
+    <p:extLst>
+      <p:ext uri="{BB962C8B-B14F-4D97-AF65-F5344CB8AC3E}">
+        <p14:creationId xmlns:p14="http://schemas.microsoft.com/office/powerpoint/2010/main" val="4105597816"/>
+      </p:ext>
+    </p:extLst>
+  </p:cSld>
+  <p:clrMapOvr>
+    <a:masterClrMapping/>
+  </p:clrMapOvr>
+</p:notes>
+</file>
+
+<file path=ppt/notesSlides/notesSlide5.xml><?xml version="1.0" encoding="utf-8"?>
+<p:notes xmlns:a="http://schemas.openxmlformats.org/drawingml/2006/main" xmlns:r="http://schemas.openxmlformats.org/officeDocument/2006/relationships" xmlns:p="http://schemas.openxmlformats.org/presentationml/2006/main">
+  <p:cSld>
+    <p:spTree>
+      <p:nvGrpSpPr>
+        <p:cNvPr id="1" name=""/>
+        <p:cNvGrpSpPr/>
+        <p:nvPr/>
+      </p:nvGrpSpPr>
+      <p:grpSpPr>
+        <a:xfrm>
+          <a:off x="0" y="0"/>
+          <a:ext cx="0" cy="0"/>
+          <a:chOff x="0" y="0"/>
+          <a:chExt cx="0" cy="0"/>
+        </a:xfrm>
+      </p:grpSpPr>
+      <p:sp>
+        <p:nvSpPr>
+          <p:cNvPr id="2" name="Slide Image Placeholder 1"/>
+          <p:cNvSpPr>
+            <a:spLocks noGrp="1" noRot="1" noChangeAspect="1"/>
+          </p:cNvSpPr>
+          <p:nvPr>
+            <p:ph type="sldImg"/>
+          </p:nvPr>
+        </p:nvSpPr>
+        <p:spPr>
+          <a:xfrm>
+            <a:off x="1189038" y="701675"/>
+            <a:ext cx="4676775" cy="3508375"/>
+          </a:xfrm>
+        </p:spPr>
+      </p:sp>
+      <p:sp>
+        <p:nvSpPr>
+          <p:cNvPr id="3" name="Notes Placeholder 2"/>
+          <p:cNvSpPr>
+            <a:spLocks noGrp="1"/>
+          </p:cNvSpPr>
+          <p:nvPr>
+            <p:ph type="body" idx="1"/>
+          </p:nvPr>
+        </p:nvSpPr>
+        <p:spPr/>
+        <p:txBody>
+          <a:bodyPr/>
+          <a:lstStyle/>
+          <a:p>
+            <a:endParaRPr lang="en-US" dirty="0"/>
+          </a:p>
+        </p:txBody>
+      </p:sp>
+    </p:spTree>
+    <p:extLst>
+      <p:ext uri="{BB962C8B-B14F-4D97-AF65-F5344CB8AC3E}">
+        <p14:creationId xmlns:p14="http://schemas.microsoft.com/office/powerpoint/2010/main" val="1347296822"/>
+      </p:ext>
+    </p:extLst>
+  </p:cSld>
+  <p:clrMapOvr>
+    <a:masterClrMapping/>
+  </p:clrMapOvr>
+</p:notes>
+</file>
+
 <file path=ppt/slideLayouts/slideLayout1.xml><?xml version="1.0" encoding="utf-8"?>
 <p:sldLayout xmlns:a="http://schemas.openxmlformats.org/drawingml/2006/main" xmlns:r="http://schemas.openxmlformats.org/officeDocument/2006/relationships" xmlns:p="http://schemas.openxmlformats.org/presentationml/2006/main" type="blank" preserve="1">
   <p:cSld name="Blank Slide">
@@ -4499,6 +4709,151 @@
         </p:txBody>
       </p:sp>
     </p:spTree>
+  </p:cSld>
+  <p:clrMapOvr>
+    <a:masterClrMapping/>
+  </p:clrMapOvr>
+</p:sldLayout>
+</file>
+
+<file path=ppt/slideLayouts/slideLayout37.xml><?xml version="1.0" encoding="utf-8"?>
+<p:sldLayout xmlns:a="http://schemas.openxmlformats.org/drawingml/2006/main" xmlns:r="http://schemas.openxmlformats.org/officeDocument/2006/relationships" xmlns:p="http://schemas.openxmlformats.org/presentationml/2006/main">
+  <p:cSld name="Title and Content">
+    <p:spTree>
+      <p:nvGrpSpPr>
+        <p:cNvPr id="1" name=""/>
+        <p:cNvGrpSpPr/>
+        <p:nvPr/>
+      </p:nvGrpSpPr>
+      <p:grpSpPr>
+        <a:xfrm>
+          <a:off x="0" y="0"/>
+          <a:ext cx="0" cy="0"/>
+          <a:chOff x="0" y="0"/>
+          <a:chExt cx="0" cy="0"/>
+        </a:xfrm>
+      </p:grpSpPr>
+      <p:sp>
+        <p:nvSpPr>
+          <p:cNvPr id="2" name="Title 1"/>
+          <p:cNvSpPr>
+            <a:spLocks noGrp="1"/>
+          </p:cNvSpPr>
+          <p:nvPr>
+            <p:ph type="title"/>
+          </p:nvPr>
+        </p:nvSpPr>
+        <p:spPr>
+          <a:xfrm>
+            <a:off x="1050925" y="268153"/>
+            <a:ext cx="7002463" cy="627062"/>
+          </a:xfrm>
+          <a:prstGeom prst="rect">
+            <a:avLst/>
+          </a:prstGeom>
+        </p:spPr>
+        <p:txBody>
+          <a:bodyPr/>
+          <a:lstStyle/>
+          <a:p>
+            <a:r>
+              <a:rPr lang="en-US"/>
+              <a:t>Click to edit Master title style</a:t>
+            </a:r>
+            <a:endParaRPr lang="en-US" dirty="0"/>
+          </a:p>
+        </p:txBody>
+      </p:sp>
+      <p:sp>
+        <p:nvSpPr>
+          <p:cNvPr id="3" name="Content Placeholder 2"/>
+          <p:cNvSpPr>
+            <a:spLocks noGrp="1"/>
+          </p:cNvSpPr>
+          <p:nvPr>
+            <p:ph idx="1"/>
+          </p:nvPr>
+        </p:nvSpPr>
+        <p:spPr>
+          <a:xfrm>
+            <a:off x="728663" y="1264024"/>
+            <a:ext cx="7772400" cy="4937760"/>
+          </a:xfrm>
+          <a:prstGeom prst="rect">
+            <a:avLst/>
+          </a:prstGeom>
+          <a:noFill/>
+          <a:ln>
+            <a:noFill/>
+          </a:ln>
+        </p:spPr>
+        <p:txBody>
+          <a:bodyPr vert="horz" wrap="square" lIns="90000" tIns="46800" rIns="90000" bIns="46800" numCol="1" anchor="t" anchorCtr="0" compatLnSpc="1">
+            <a:prstTxWarp prst="textNoShape">
+              <a:avLst/>
+            </a:prstTxWarp>
+          </a:bodyPr>
+          <a:lstStyle>
+            <a:lvl1pPr>
+              <a:defRPr lang="en-US" dirty="0" smtClean="0"/>
+            </a:lvl1pPr>
+            <a:lvl2pPr>
+              <a:defRPr lang="en-US" dirty="0" smtClean="0"/>
+            </a:lvl2pPr>
+            <a:lvl3pPr>
+              <a:defRPr lang="en-US" dirty="0" smtClean="0"/>
+            </a:lvl3pPr>
+            <a:lvl4pPr>
+              <a:defRPr lang="en-US" dirty="0" smtClean="0"/>
+            </a:lvl4pPr>
+            <a:lvl5pPr>
+              <a:defRPr lang="en-US" dirty="0"/>
+            </a:lvl5pPr>
+          </a:lstStyle>
+          <a:p>
+            <a:pPr lvl="0"/>
+            <a:r>
+              <a:rPr lang="en-US"/>
+              <a:t>Click to edit Master text styles</a:t>
+            </a:r>
+          </a:p>
+          <a:p>
+            <a:pPr lvl="1"/>
+            <a:r>
+              <a:rPr lang="en-US"/>
+              <a:t>Second level</a:t>
+            </a:r>
+          </a:p>
+          <a:p>
+            <a:pPr lvl="2"/>
+            <a:r>
+              <a:rPr lang="en-US"/>
+              <a:t>Third level</a:t>
+            </a:r>
+          </a:p>
+          <a:p>
+            <a:pPr lvl="3"/>
+            <a:r>
+              <a:rPr lang="en-US"/>
+              <a:t>Fourth level</a:t>
+            </a:r>
+          </a:p>
+          <a:p>
+            <a:pPr lvl="4"/>
+            <a:r>
+              <a:rPr lang="en-US"/>
+              <a:t>Fifth level</a:t>
+            </a:r>
+            <a:endParaRPr lang="en-US" dirty="0"/>
+          </a:p>
+        </p:txBody>
+      </p:sp>
+    </p:spTree>
+    <p:extLst>
+      <p:ext uri="{BB962C8B-B14F-4D97-AF65-F5344CB8AC3E}">
+        <p14:creationId xmlns:p14="http://schemas.microsoft.com/office/powerpoint/2010/main" val="47014216"/>
+      </p:ext>
+    </p:extLst>
   </p:cSld>
   <p:clrMapOvr>
     <a:masterClrMapping/>
@@ -7163,7 +7518,7 @@
           <p:nvPr/>
         </p:nvPicPr>
         <p:blipFill>
-          <a:blip r:embed="rId14"/>
+          <a:blip r:embed="rId15"/>
           <a:stretch/>
         </p:blipFill>
         <p:spPr>
@@ -7379,7 +7734,7 @@
               </a:spcBef>
               <a:buSzPct val="100045"/>
               <a:buBlip>
-                <a:blip r:embed="rId15"/>
+                <a:blip r:embed="rId16"/>
               </a:buBlip>
             </a:pPr>
             <a:r>
@@ -7434,7 +7789,7 @@
               </a:lnSpc>
               <a:buSzPct val="100045"/>
               <a:buBlip>
-                <a:blip r:embed="rId16"/>
+                <a:blip r:embed="rId17"/>
               </a:buBlip>
             </a:pPr>
             <a:r>
@@ -7489,7 +7844,7 @@
               </a:lnSpc>
               <a:buSzPct val="100045"/>
               <a:buBlip>
-                <a:blip r:embed="rId17"/>
+                <a:blip r:embed="rId18"/>
               </a:buBlip>
             </a:pPr>
             <a:r>
@@ -7576,6 +7931,7 @@
     <p:sldLayoutId id="2147483684" r:id="rId10"/>
     <p:sldLayoutId id="2147483685" r:id="rId11"/>
     <p:sldLayoutId id="2147483686" r:id="rId12"/>
+    <p:sldLayoutId id="2147483687" r:id="rId13"/>
   </p:sldLayoutIdLst>
   <p:txStyles>
     <p:titleStyle>
@@ -14477,6 +14833,658 @@
     <p:extLst>
       <p:ext uri="{BB962C8B-B14F-4D97-AF65-F5344CB8AC3E}">
         <p14:creationId xmlns:p14="http://schemas.microsoft.com/office/powerpoint/2010/main" val="3308474518"/>
+      </p:ext>
+    </p:extLst>
+  </p:cSld>
+  <p:clrMapOvr>
+    <a:masterClrMapping/>
+  </p:clrMapOvr>
+</p:sld>
+</file>
+
+<file path=ppt/slides/slide22.xml><?xml version="1.0" encoding="utf-8"?>
+<p:sld xmlns:a="http://schemas.openxmlformats.org/drawingml/2006/main" xmlns:r="http://schemas.openxmlformats.org/officeDocument/2006/relationships" xmlns:p="http://schemas.openxmlformats.org/presentationml/2006/main">
+  <p:cSld>
+    <p:spTree>
+      <p:nvGrpSpPr>
+        <p:cNvPr id="1" name=""/>
+        <p:cNvGrpSpPr/>
+        <p:nvPr/>
+      </p:nvGrpSpPr>
+      <p:grpSpPr>
+        <a:xfrm>
+          <a:off x="0" y="0"/>
+          <a:ext cx="0" cy="0"/>
+          <a:chOff x="0" y="0"/>
+          <a:chExt cx="0" cy="0"/>
+        </a:xfrm>
+      </p:grpSpPr>
+      <p:sp>
+        <p:nvSpPr>
+          <p:cNvPr id="2" name="Title 1"/>
+          <p:cNvSpPr>
+            <a:spLocks noGrp="1"/>
+          </p:cNvSpPr>
+          <p:nvPr>
+            <p:ph type="title"/>
+          </p:nvPr>
+        </p:nvSpPr>
+        <p:spPr/>
+        <p:txBody>
+          <a:bodyPr/>
+          <a:lstStyle/>
+          <a:p>
+            <a:r>
+              <a:rPr lang="en-US" dirty="0"/>
+              <a:t>What Is HBase?</a:t>
+            </a:r>
+          </a:p>
+        </p:txBody>
+      </p:sp>
+      <p:sp>
+        <p:nvSpPr>
+          <p:cNvPr id="3" name="Content Placeholder 2"/>
+          <p:cNvSpPr>
+            <a:spLocks noGrp="1"/>
+          </p:cNvSpPr>
+          <p:nvPr>
+            <p:ph idx="1"/>
+          </p:nvPr>
+        </p:nvSpPr>
+        <p:spPr/>
+        <p:txBody>
+          <a:bodyPr/>
+          <a:lstStyle/>
+          <a:p>
+            <a:r>
+              <a:rPr lang="en-US" dirty="0"/>
+              <a:t>Apache HBase is a non-relational, column-oriented database</a:t>
+            </a:r>
+          </a:p>
+          <a:p>
+            <a:pPr lvl="1">
+              <a:spcBef>
+                <a:spcPts val="100"/>
+              </a:spcBef>
+            </a:pPr>
+            <a:r>
+              <a:rPr lang="en-US" dirty="0"/>
+              <a:t>Provides CRUD operations on random rows of data</a:t>
+            </a:r>
+          </a:p>
+          <a:p>
+            <a:pPr lvl="1">
+              <a:spcBef>
+                <a:spcPts val="100"/>
+              </a:spcBef>
+            </a:pPr>
+            <a:r>
+              <a:rPr lang="en-US" dirty="0"/>
+              <a:t>Runs on top of HDFS</a:t>
+            </a:r>
+          </a:p>
+          <a:p>
+            <a:pPr lvl="1">
+              <a:spcBef>
+                <a:spcPts val="100"/>
+              </a:spcBef>
+            </a:pPr>
+            <a:r>
+              <a:rPr lang="en-US" dirty="0"/>
+              <a:t>Implemented in Java</a:t>
+            </a:r>
+          </a:p>
+          <a:p>
+            <a:pPr lvl="1">
+              <a:spcBef>
+                <a:spcPts val="100"/>
+              </a:spcBef>
+            </a:pPr>
+            <a:r>
+              <a:rPr lang="en-US" dirty="0"/>
+              <a:t>Based on Google’s BigTable</a:t>
+            </a:r>
+          </a:p>
+          <a:p>
+            <a:r>
+              <a:rPr lang="en-US" dirty="0"/>
+              <a:t>HBase can viewed as a </a:t>
+            </a:r>
+          </a:p>
+          <a:p>
+            <a:pPr lvl="1">
+              <a:spcBef>
+                <a:spcPts val="100"/>
+              </a:spcBef>
+            </a:pPr>
+            <a:r>
+              <a:rPr lang="en-US" dirty="0"/>
+              <a:t>Map</a:t>
+            </a:r>
+          </a:p>
+          <a:p>
+            <a:pPr lvl="1">
+              <a:spcBef>
+                <a:spcPts val="100"/>
+              </a:spcBef>
+            </a:pPr>
+            <a:r>
+              <a:rPr lang="en-US" dirty="0"/>
+              <a:t>Key-value store</a:t>
+            </a:r>
+          </a:p>
+          <a:p>
+            <a:pPr lvl="1">
+              <a:spcBef>
+                <a:spcPts val="100"/>
+              </a:spcBef>
+            </a:pPr>
+            <a:r>
+              <a:rPr lang="en-US" dirty="0"/>
+              <a:t>Column family-oriented database</a:t>
+            </a:r>
+          </a:p>
+          <a:p>
+            <a:pPr lvl="1">
+              <a:spcBef>
+                <a:spcPts val="100"/>
+              </a:spcBef>
+            </a:pPr>
+            <a:r>
+              <a:rPr lang="en-US" dirty="0"/>
+              <a:t>A database storing versioned maps of maps</a:t>
+            </a:r>
+          </a:p>
+          <a:p>
+            <a:r>
+              <a:rPr lang="en-US" dirty="0"/>
+              <a:t>HBase has the following characteristics</a:t>
+            </a:r>
+          </a:p>
+          <a:p>
+            <a:pPr lvl="1">
+              <a:spcBef>
+                <a:spcPts val="100"/>
+              </a:spcBef>
+            </a:pPr>
+            <a:r>
+              <a:rPr lang="en-US" dirty="0"/>
+              <a:t>Distributed</a:t>
+            </a:r>
+          </a:p>
+          <a:p>
+            <a:pPr lvl="1">
+              <a:spcBef>
+                <a:spcPts val="100"/>
+              </a:spcBef>
+            </a:pPr>
+            <a:r>
+              <a:rPr lang="en-US" dirty="0"/>
+              <a:t>Multidimensional </a:t>
+            </a:r>
+          </a:p>
+          <a:p>
+            <a:pPr lvl="1">
+              <a:spcBef>
+                <a:spcPts val="100"/>
+              </a:spcBef>
+            </a:pPr>
+            <a:r>
+              <a:rPr lang="en-US" dirty="0"/>
+              <a:t>Sorted </a:t>
+            </a:r>
+          </a:p>
+          <a:p>
+            <a:pPr lvl="1">
+              <a:spcBef>
+                <a:spcPts val="100"/>
+              </a:spcBef>
+            </a:pPr>
+            <a:r>
+              <a:rPr lang="en-US" dirty="0"/>
+              <a:t>Sparse</a:t>
+            </a:r>
+          </a:p>
+          <a:p>
+            <a:pPr lvl="1">
+              <a:spcBef>
+                <a:spcPts val="100"/>
+              </a:spcBef>
+            </a:pPr>
+            <a:r>
+              <a:rPr lang="en-US" dirty="0"/>
+              <a:t>Persistent</a:t>
+            </a:r>
+          </a:p>
+        </p:txBody>
+      </p:sp>
+    </p:spTree>
+    <p:extLst>
+      <p:ext uri="{BB962C8B-B14F-4D97-AF65-F5344CB8AC3E}">
+        <p14:creationId xmlns:p14="http://schemas.microsoft.com/office/powerpoint/2010/main" val="1437551586"/>
+      </p:ext>
+    </p:extLst>
+  </p:cSld>
+  <p:clrMapOvr>
+    <a:masterClrMapping/>
+  </p:clrMapOvr>
+</p:sld>
+</file>
+
+<file path=ppt/slides/slide23.xml><?xml version="1.0" encoding="utf-8"?>
+<p:sld xmlns:a="http://schemas.openxmlformats.org/drawingml/2006/main" xmlns:r="http://schemas.openxmlformats.org/officeDocument/2006/relationships" xmlns:p="http://schemas.openxmlformats.org/presentationml/2006/main">
+  <p:cSld>
+    <p:spTree>
+      <p:nvGrpSpPr>
+        <p:cNvPr id="1" name=""/>
+        <p:cNvGrpSpPr/>
+        <p:nvPr/>
+      </p:nvGrpSpPr>
+      <p:grpSpPr>
+        <a:xfrm>
+          <a:off x="0" y="0"/>
+          <a:ext cx="0" cy="0"/>
+          <a:chOff x="0" y="0"/>
+          <a:chExt cx="0" cy="0"/>
+        </a:xfrm>
+      </p:grpSpPr>
+      <p:sp>
+        <p:nvSpPr>
+          <p:cNvPr id="2" name="Title 1"/>
+          <p:cNvSpPr>
+            <a:spLocks noGrp="1"/>
+          </p:cNvSpPr>
+          <p:nvPr>
+            <p:ph type="title"/>
+          </p:nvPr>
+        </p:nvSpPr>
+        <p:spPr/>
+        <p:txBody>
+          <a:bodyPr/>
+          <a:lstStyle/>
+          <a:p>
+            <a:r>
+              <a:rPr lang="en-US" dirty="0"/>
+              <a:t>Characteristics</a:t>
+            </a:r>
+          </a:p>
+        </p:txBody>
+      </p:sp>
+      <p:sp>
+        <p:nvSpPr>
+          <p:cNvPr id="3" name="Content Placeholder 2"/>
+          <p:cNvSpPr>
+            <a:spLocks noGrp="1"/>
+          </p:cNvSpPr>
+          <p:nvPr>
+            <p:ph idx="1"/>
+          </p:nvPr>
+        </p:nvSpPr>
+        <p:spPr/>
+        <p:txBody>
+          <a:bodyPr/>
+          <a:lstStyle/>
+          <a:p>
+            <a:r>
+              <a:rPr lang="en-US" dirty="0"/>
+              <a:t>HBase does not have</a:t>
+            </a:r>
+          </a:p>
+          <a:p>
+            <a:pPr lvl="1">
+              <a:spcBef>
+                <a:spcPts val="0"/>
+              </a:spcBef>
+            </a:pPr>
+            <a:r>
+              <a:rPr lang="en-US" dirty="0"/>
+              <a:t>Typed data columns</a:t>
+            </a:r>
+          </a:p>
+          <a:p>
+            <a:pPr lvl="1">
+              <a:spcBef>
+                <a:spcPts val="0"/>
+              </a:spcBef>
+            </a:pPr>
+            <a:r>
+              <a:rPr lang="en-US" dirty="0"/>
+              <a:t>Built-in secondary indexes</a:t>
+            </a:r>
+          </a:p>
+          <a:p>
+            <a:pPr lvl="1">
+              <a:spcBef>
+                <a:spcPts val="0"/>
+              </a:spcBef>
+            </a:pPr>
+            <a:r>
+              <a:rPr lang="en-US" dirty="0"/>
+              <a:t>Triggers</a:t>
+            </a:r>
+          </a:p>
+          <a:p>
+            <a:pPr lvl="1">
+              <a:spcBef>
+                <a:spcPts val="0"/>
+              </a:spcBef>
+            </a:pPr>
+            <a:r>
+              <a:rPr lang="en-US" dirty="0"/>
+              <a:t>Advanced query language</a:t>
+            </a:r>
+          </a:p>
+          <a:p>
+            <a:pPr lvl="1">
+              <a:spcBef>
+                <a:spcPts val="0"/>
+              </a:spcBef>
+            </a:pPr>
+            <a:r>
+              <a:rPr lang="en-US" dirty="0"/>
+              <a:t>Complete ACID compliance across database</a:t>
+            </a:r>
+          </a:p>
+          <a:p>
+            <a:pPr lvl="2">
+              <a:spcBef>
+                <a:spcPts val="0"/>
+              </a:spcBef>
+            </a:pPr>
+            <a:r>
+              <a:rPr lang="en-US" dirty="0"/>
+              <a:t>HBase guarantees ACID semantics per row</a:t>
+            </a:r>
+          </a:p>
+          <a:p>
+            <a:pPr>
+              <a:spcBef>
+                <a:spcPts val="600"/>
+              </a:spcBef>
+            </a:pPr>
+            <a:r>
+              <a:rPr lang="en-US" dirty="0"/>
+              <a:t>Does have</a:t>
+            </a:r>
+          </a:p>
+          <a:p>
+            <a:pPr lvl="1">
+              <a:spcBef>
+                <a:spcPts val="0"/>
+              </a:spcBef>
+            </a:pPr>
+            <a:r>
+              <a:rPr lang="en-US" dirty="0"/>
+              <a:t>Strong consistent read/write</a:t>
+            </a:r>
+          </a:p>
+          <a:p>
+            <a:pPr lvl="2">
+              <a:spcBef>
+                <a:spcPts val="0"/>
+              </a:spcBef>
+            </a:pPr>
+            <a:r>
+              <a:rPr lang="en-US" dirty="0"/>
+              <a:t>Implements multiversion concurrency control (MVCC)</a:t>
+            </a:r>
+          </a:p>
+          <a:p>
+            <a:pPr lvl="1">
+              <a:spcBef>
+                <a:spcPts val="0"/>
+              </a:spcBef>
+            </a:pPr>
+            <a:r>
+              <a:rPr lang="en-US" dirty="0"/>
+              <a:t>Transaction for rows, multi-operations on a row, multi-row operations</a:t>
+            </a:r>
+          </a:p>
+          <a:p>
+            <a:pPr lvl="1">
+              <a:spcBef>
+                <a:spcPts val="0"/>
+              </a:spcBef>
+            </a:pPr>
+            <a:r>
+              <a:rPr lang="en-US" dirty="0"/>
+              <a:t>Fast lookup and update of data</a:t>
+            </a:r>
+          </a:p>
+          <a:p>
+            <a:pPr lvl="2">
+              <a:spcBef>
+                <a:spcPts val="0"/>
+              </a:spcBef>
+            </a:pPr>
+            <a:r>
+              <a:rPr lang="en-US" dirty="0"/>
+              <a:t>Block cache and bloom filters</a:t>
+            </a:r>
+          </a:p>
+          <a:p>
+            <a:pPr lvl="1">
+              <a:spcBef>
+                <a:spcPts val="0"/>
+              </a:spcBef>
+            </a:pPr>
+            <a:r>
+              <a:rPr lang="en-US" dirty="0"/>
+              <a:t>Automatic sharding</a:t>
+            </a:r>
+          </a:p>
+          <a:p>
+            <a:pPr lvl="1">
+              <a:spcBef>
+                <a:spcPts val="0"/>
+              </a:spcBef>
+            </a:pPr>
+            <a:r>
+              <a:rPr lang="en-US" dirty="0"/>
+              <a:t>Automatic failover</a:t>
+            </a:r>
+          </a:p>
+          <a:p>
+            <a:pPr lvl="1">
+              <a:spcBef>
+                <a:spcPts val="0"/>
+              </a:spcBef>
+            </a:pPr>
+            <a:r>
+              <a:rPr lang="en-US" dirty="0"/>
+              <a:t>Web based operational control, JMX metrics</a:t>
+            </a:r>
+          </a:p>
+          <a:p>
+            <a:pPr lvl="1">
+              <a:spcBef>
+                <a:spcPts val="0"/>
+              </a:spcBef>
+            </a:pPr>
+            <a:r>
+              <a:rPr lang="en-US" dirty="0"/>
+              <a:t>Versioning of data</a:t>
+            </a:r>
+          </a:p>
+          <a:p>
+            <a:pPr lvl="1">
+              <a:spcBef>
+                <a:spcPts val="0"/>
+              </a:spcBef>
+            </a:pPr>
+            <a:r>
+              <a:rPr lang="en-US" dirty="0"/>
+              <a:t>Schema that can evolve over time</a:t>
+            </a:r>
+          </a:p>
+        </p:txBody>
+      </p:sp>
+    </p:spTree>
+    <p:extLst>
+      <p:ext uri="{BB962C8B-B14F-4D97-AF65-F5344CB8AC3E}">
+        <p14:creationId xmlns:p14="http://schemas.microsoft.com/office/powerpoint/2010/main" val="3712853506"/>
+      </p:ext>
+    </p:extLst>
+  </p:cSld>
+  <p:clrMapOvr>
+    <a:masterClrMapping/>
+  </p:clrMapOvr>
+</p:sld>
+</file>
+
+<file path=ppt/slides/slide24.xml><?xml version="1.0" encoding="utf-8"?>
+<p:sld xmlns:a="http://schemas.openxmlformats.org/drawingml/2006/main" xmlns:r="http://schemas.openxmlformats.org/officeDocument/2006/relationships" xmlns:p="http://schemas.openxmlformats.org/presentationml/2006/main">
+  <p:cSld>
+    <p:spTree>
+      <p:nvGrpSpPr>
+        <p:cNvPr id="1" name=""/>
+        <p:cNvGrpSpPr/>
+        <p:nvPr/>
+      </p:nvGrpSpPr>
+      <p:grpSpPr>
+        <a:xfrm>
+          <a:off x="0" y="0"/>
+          <a:ext cx="0" cy="0"/>
+          <a:chOff x="0" y="0"/>
+          <a:chExt cx="0" cy="0"/>
+        </a:xfrm>
+      </p:grpSpPr>
+      <p:sp>
+        <p:nvSpPr>
+          <p:cNvPr id="2" name="Title 1"/>
+          <p:cNvSpPr>
+            <a:spLocks noGrp="1"/>
+          </p:cNvSpPr>
+          <p:nvPr>
+            <p:ph type="title"/>
+          </p:nvPr>
+        </p:nvSpPr>
+        <p:spPr/>
+        <p:txBody>
+          <a:bodyPr/>
+          <a:lstStyle/>
+          <a:p>
+            <a:r>
+              <a:rPr lang="en-US" dirty="0"/>
+              <a:t>HBase Use Cases</a:t>
+            </a:r>
+          </a:p>
+        </p:txBody>
+      </p:sp>
+      <p:sp>
+        <p:nvSpPr>
+          <p:cNvPr id="3" name="Content Placeholder 2"/>
+          <p:cNvSpPr>
+            <a:spLocks noGrp="1"/>
+          </p:cNvSpPr>
+          <p:nvPr>
+            <p:ph idx="1"/>
+          </p:nvPr>
+        </p:nvSpPr>
+        <p:spPr/>
+        <p:txBody>
+          <a:bodyPr/>
+          <a:lstStyle/>
+          <a:p>
+            <a:r>
+              <a:rPr lang="en-US" dirty="0"/>
+              <a:t>Huge (TB/PB) amounts of unstructured data</a:t>
+            </a:r>
+          </a:p>
+          <a:p>
+            <a:pPr lvl="1"/>
+            <a:r>
+              <a:rPr lang="en-US" dirty="0"/>
+              <a:t>The entire internet </a:t>
+            </a:r>
+          </a:p>
+          <a:p>
+            <a:r>
+              <a:rPr lang="en-US" dirty="0"/>
+              <a:t>Incremental capture of data </a:t>
+            </a:r>
+          </a:p>
+          <a:p>
+            <a:pPr lvl="1"/>
+            <a:r>
+              <a:rPr lang="en-US" dirty="0"/>
+              <a:t>Need for CRUD operations on a continuous basis</a:t>
+            </a:r>
+          </a:p>
+          <a:p>
+            <a:r>
+              <a:rPr lang="en-US" dirty="0"/>
+              <a:t>High request throughput</a:t>
+            </a:r>
+          </a:p>
+          <a:p>
+            <a:pPr lvl="1"/>
+            <a:r>
+              <a:rPr lang="en-US" dirty="0"/>
+              <a:t>Chats</a:t>
+            </a:r>
+          </a:p>
+          <a:p>
+            <a:pPr lvl="1"/>
+            <a:r>
+              <a:rPr lang="en-US" dirty="0"/>
+              <a:t>Messages</a:t>
+            </a:r>
+          </a:p>
+          <a:p>
+            <a:r>
+              <a:rPr lang="en-US" dirty="0"/>
+              <a:t>Schema which grow and modifies over time</a:t>
+            </a:r>
+          </a:p>
+          <a:p>
+            <a:pPr lvl="1"/>
+            <a:r>
+              <a:rPr lang="en-US" dirty="0"/>
+              <a:t>Variable column data</a:t>
+            </a:r>
+          </a:p>
+          <a:p>
+            <a:pPr lvl="1"/>
+            <a:r>
+              <a:rPr lang="en-US" dirty="0"/>
+              <a:t>No columns with NULL as in RDMBS</a:t>
+            </a:r>
+          </a:p>
+          <a:p>
+            <a:r>
+              <a:rPr lang="en-US" dirty="0"/>
+              <a:t>User “online” interactions with data</a:t>
+            </a:r>
+          </a:p>
+          <a:p>
+            <a:pPr lvl="1"/>
+            <a:r>
+              <a:rPr lang="en-US" dirty="0"/>
+              <a:t>Not batch as with HDFS</a:t>
+            </a:r>
+          </a:p>
+          <a:p>
+            <a:pPr lvl="1"/>
+            <a:r>
+              <a:rPr lang="en-US" dirty="0"/>
+              <a:t>Random reads and writes</a:t>
+            </a:r>
+          </a:p>
+          <a:p>
+            <a:pPr lvl="2">
+              <a:lnSpc>
+                <a:spcPct val="100000"/>
+              </a:lnSpc>
+            </a:pPr>
+            <a:endParaRPr lang="en-US" dirty="0"/>
+          </a:p>
+        </p:txBody>
+      </p:sp>
+    </p:spTree>
+    <p:extLst>
+      <p:ext uri="{BB962C8B-B14F-4D97-AF65-F5344CB8AC3E}">
+        <p14:creationId xmlns:p14="http://schemas.microsoft.com/office/powerpoint/2010/main" val="2514984761"/>
       </p:ext>
     </p:extLst>
   </p:cSld>

--- a/Day4/Ch05_NoSQL.pptx
+++ b/Day4/Ch05_NoSQL.pptx
@@ -16353,16 +16353,16 @@
               </a:spcBef>
             </a:pPr>
             <a:r>
-              <a:rPr lang="en-US" sz="1800" b="0" strike="noStrike" spc="-1">
+              <a:rPr lang="en-US" sz="1800" b="0" strike="noStrike" spc="-1" dirty="0">
                 <a:solidFill>
                   <a:srgbClr val="000000"/>
                 </a:solidFill>
                 <a:latin typeface="Tahoma"/>
                 <a:ea typeface="Tahoma"/>
               </a:rPr>
-              <a:t>In this chapter, we will:</a:t>
-            </a:r>
-            <a:endParaRPr lang="en-US" sz="1800" b="0" strike="noStrike" spc="-1">
+              <a:t>In this chapter, we:</a:t>
+            </a:r>
+            <a:endParaRPr lang="en-US" sz="1800" b="0" strike="noStrike" spc="-1" dirty="0">
               <a:solidFill>
                 <a:srgbClr val="000000"/>
               </a:solidFill>
@@ -16383,16 +16383,16 @@
               </a:buBlip>
             </a:pPr>
             <a:r>
-              <a:rPr lang="en-US" sz="1800" b="0" strike="noStrike" spc="-1">
+              <a:rPr lang="en-US" sz="1800" b="0" strike="noStrike" spc="-1" dirty="0">
                 <a:solidFill>
                   <a:srgbClr val="000000"/>
                 </a:solidFill>
                 <a:latin typeface="Tahoma"/>
                 <a:ea typeface="Tahoma"/>
               </a:rPr>
-              <a:t>Discuss NoSQL </a:t>
-            </a:r>
-            <a:endParaRPr lang="en-US" sz="1800" b="0" strike="noStrike" spc="-1">
+              <a:t>Discussed NoSQL </a:t>
+            </a:r>
+            <a:endParaRPr lang="en-US" sz="1800" b="0" strike="noStrike" spc="-1" dirty="0">
               <a:solidFill>
                 <a:srgbClr val="000000"/>
               </a:solidFill>
@@ -16413,16 +16413,16 @@
               </a:buBlip>
             </a:pPr>
             <a:r>
-              <a:rPr lang="en-US" sz="1800" b="0" strike="noStrike" spc="-1">
+              <a:rPr lang="en-US" sz="1800" b="0" strike="noStrike" spc="-1" dirty="0">
                 <a:solidFill>
                   <a:srgbClr val="000000"/>
                 </a:solidFill>
                 <a:latin typeface="Tahoma"/>
                 <a:ea typeface="Tahoma"/>
               </a:rPr>
-              <a:t>Introduce Cassandra &amp; Mongo</a:t>
-            </a:r>
-            <a:endParaRPr lang="en-US" sz="1800" b="0" strike="noStrike" spc="-1">
+              <a:t>Introduced Cassandra &amp; Mongo</a:t>
+            </a:r>
+            <a:endParaRPr lang="en-US" sz="1800" b="0" strike="noStrike" spc="-1" dirty="0">
               <a:solidFill>
                 <a:srgbClr val="000000"/>
               </a:solidFill>
@@ -16443,16 +16443,16 @@
               </a:buBlip>
             </a:pPr>
             <a:r>
-              <a:rPr lang="en-US" sz="1800" b="0" strike="noStrike" spc="-1">
+              <a:rPr lang="en-US" sz="1800" b="0" strike="noStrike" spc="-1" dirty="0">
                 <a:solidFill>
                   <a:srgbClr val="000000"/>
                 </a:solidFill>
                 <a:latin typeface="Tahoma"/>
                 <a:ea typeface="Tahoma"/>
               </a:rPr>
-              <a:t>Use Python to access Cassandra &amp; Mongo directly</a:t>
-            </a:r>
-            <a:endParaRPr lang="en-US" sz="1800" b="0" strike="noStrike" spc="-1">
+              <a:t>Used Python to access Cassandra &amp; Mongo directly</a:t>
+            </a:r>
+            <a:endParaRPr lang="en-US" sz="1800" b="0" strike="noStrike" spc="-1" dirty="0">
               <a:solidFill>
                 <a:srgbClr val="000000"/>
               </a:solidFill>
@@ -16473,16 +16473,16 @@
               </a:buBlip>
             </a:pPr>
             <a:r>
-              <a:rPr lang="en-US" sz="1800" b="0" strike="noStrike" spc="-1">
+              <a:rPr lang="en-US" sz="1800" b="0" strike="noStrike" spc="-1" dirty="0">
                 <a:solidFill>
                   <a:srgbClr val="000000"/>
                 </a:solidFill>
                 <a:latin typeface="Tahoma"/>
                 <a:ea typeface="Tahoma"/>
               </a:rPr>
-              <a:t>Use Spark to read and write to Cassandra &amp; Mongo</a:t>
-            </a:r>
-            <a:endParaRPr lang="en-US" sz="1800" b="0" strike="noStrike" spc="-1">
+              <a:t>Used Spark to read and write to Cassandra &amp; Mongo</a:t>
+            </a:r>
+            <a:endParaRPr lang="en-US" sz="1800" b="0" strike="noStrike" spc="-1" dirty="0">
               <a:solidFill>
                 <a:srgbClr val="000000"/>
               </a:solidFill>
@@ -16498,7 +16498,7 @@
                 <a:spcPts val="1199"/>
               </a:spcBef>
             </a:pPr>
-            <a:endParaRPr lang="en-US" sz="1800" b="0" strike="noStrike" spc="-1">
+            <a:endParaRPr lang="en-US" sz="1800" b="0" strike="noStrike" spc="-1" dirty="0">
               <a:solidFill>
                 <a:srgbClr val="000000"/>
               </a:solidFill>
